--- a/Teste Confirmação.pptx
+++ b/Teste Confirmação.pptx
@@ -273,7 +273,7 @@
           <a:p>
             <a:fld id="{C43A76A3-ADC8-4477-8FC1-B9DD55D84908}" type="datetime1">
               <a:rPr lang="en-US" smtClean="0"/>
-              <a:t>10/26/2025</a:t>
+              <a:t>10/27/2025</a:t>
             </a:fld>
             <a:endParaRPr lang="en-US" dirty="0"/>
           </a:p>
@@ -471,7 +471,7 @@
           <a:p>
             <a:fld id="{D6762538-DC4D-4667-96E5-B3278DDF8B12}" type="datetime1">
               <a:rPr lang="en-US" smtClean="0"/>
-              <a:t>10/26/2025</a:t>
+              <a:t>10/27/2025</a:t>
             </a:fld>
             <a:endParaRPr lang="en-US"/>
           </a:p>
@@ -679,7 +679,7 @@
           <a:p>
             <a:fld id="{05880548-5C08-4BE3-B63E-F2BB63B0B00C}" type="datetime1">
               <a:rPr lang="en-US" smtClean="0"/>
-              <a:t>10/26/2025</a:t>
+              <a:t>10/27/2025</a:t>
             </a:fld>
             <a:endParaRPr lang="en-US"/>
           </a:p>
@@ -877,7 +877,7 @@
           <a:p>
             <a:fld id="{DE7F49BE-398D-479A-8A7E-5DDBCA61EDCB}" type="datetime1">
               <a:rPr lang="en-US" smtClean="0"/>
-              <a:t>10/26/2025</a:t>
+              <a:t>10/27/2025</a:t>
             </a:fld>
             <a:endParaRPr lang="en-US"/>
           </a:p>
@@ -1153,7 +1153,7 @@
           <a:p>
             <a:fld id="{CCD0C193-4974-4A1F-9C63-07D595E30D66}" type="datetime1">
               <a:rPr lang="en-US" smtClean="0"/>
-              <a:t>10/26/2025</a:t>
+              <a:t>10/27/2025</a:t>
             </a:fld>
             <a:endParaRPr lang="en-US"/>
           </a:p>
@@ -1420,7 +1420,7 @@
           <a:p>
             <a:fld id="{701AA87F-28D4-4BF0-B81F-877A89DFD5AC}" type="datetime1">
               <a:rPr lang="en-US" smtClean="0"/>
-              <a:t>10/26/2025</a:t>
+              <a:t>10/27/2025</a:t>
             </a:fld>
             <a:endParaRPr lang="en-US"/>
           </a:p>
@@ -1834,7 +1834,7 @@
           <a:p>
             <a:fld id="{A8A9F1F3-208B-49A3-B337-9C8ACEB3E0E1}" type="datetime1">
               <a:rPr lang="en-US" smtClean="0"/>
-              <a:t>10/26/2025</a:t>
+              <a:t>10/27/2025</a:t>
             </a:fld>
             <a:endParaRPr lang="en-US"/>
           </a:p>
@@ -1981,7 +1981,7 @@
           <a:p>
             <a:fld id="{27AF6CA6-7293-4AA2-A0E0-A3BF4416E786}" type="datetime1">
               <a:rPr lang="en-US" smtClean="0"/>
-              <a:t>10/26/2025</a:t>
+              <a:t>10/27/2025</a:t>
             </a:fld>
             <a:endParaRPr lang="en-US"/>
           </a:p>
@@ -2094,7 +2094,7 @@
           <a:p>
             <a:fld id="{98D87016-7BCD-46FB-8EE3-AB6C369108B4}" type="datetime1">
               <a:rPr lang="en-US" smtClean="0"/>
-              <a:t>10/26/2025</a:t>
+              <a:t>10/27/2025</a:t>
             </a:fld>
             <a:endParaRPr lang="en-US"/>
           </a:p>
@@ -2413,7 +2413,7 @@
           <a:p>
             <a:fld id="{A1547011-1FFC-4EF8-9A2E-53B4AD2ADBD4}" type="datetime1">
               <a:rPr lang="en-US" smtClean="0"/>
-              <a:t>10/26/2025</a:t>
+              <a:t>10/27/2025</a:t>
             </a:fld>
             <a:endParaRPr lang="en-US"/>
           </a:p>
@@ -2708,7 +2708,7 @@
           <a:p>
             <a:fld id="{9562EB47-45B4-4EF5-A743-B4885DD2F060}" type="datetime1">
               <a:rPr lang="en-US" smtClean="0"/>
-              <a:t>10/26/2025</a:t>
+              <a:t>10/27/2025</a:t>
             </a:fld>
             <a:endParaRPr lang="en-US"/>
           </a:p>
@@ -4093,7 +4093,7 @@
           <a:p>
             <a:fld id="{4A8D24A4-5FEC-4062-8995-EB21925B3B40}" type="datetime1">
               <a:rPr lang="en-US" smtClean="0"/>
-              <a:t>10/26/2025</a:t>
+              <a:t>10/27/2025</a:t>
             </a:fld>
             <a:endParaRPr lang="en-US" sz="1000" dirty="0"/>
           </a:p>
@@ -5655,7 +5655,7 @@
         </p:blipFill>
         <p:spPr>
           <a:xfrm>
-            <a:off x="1525" y="10"/>
+            <a:off x="7894" y="5628"/>
             <a:ext cx="12188951" cy="6857990"/>
           </a:xfrm>
           <a:prstGeom prst="rect">
@@ -6262,396 +6262,175 @@
       </p:sp>
       <p:sp>
         <p:nvSpPr>
-          <p:cNvPr id="3" name="Subtítulo 2">
-            <a:extLst>
-              <a:ext uri="{FF2B5EF4-FFF2-40B4-BE49-F238E27FC236}">
-                <a16:creationId xmlns:a16="http://schemas.microsoft.com/office/drawing/2014/main" id="{06345FF6-F692-02BE-9C99-E37E62FE40D9}"/>
+          <p:cNvPr id="5" name="Rectangle 1">
+            <a:extLst>
+              <a:ext uri="{FF2B5EF4-FFF2-40B4-BE49-F238E27FC236}">
+                <a16:creationId xmlns:a16="http://schemas.microsoft.com/office/drawing/2014/main" id="{D8DE15BE-5DA5-82D8-F804-ADA9CFAFB65A}"/>
               </a:ext>
             </a:extLst>
           </p:cNvPr>
           <p:cNvSpPr>
-            <a:spLocks noGrp="1"/>
+            <a:spLocks noGrp="1" noChangeArrowheads="1"/>
           </p:cNvSpPr>
           <p:nvPr>
             <p:ph type="subTitle" idx="1"/>
           </p:nvPr>
         </p:nvSpPr>
-        <p:spPr>
+        <p:spPr bwMode="auto">
           <a:xfrm>
-            <a:off x="3437" y="2969435"/>
-            <a:ext cx="12182077" cy="3035987"/>
+            <a:off x="3175" y="3826143"/>
+            <a:ext cx="10944022" cy="1323439"/>
           </a:xfrm>
+          <a:prstGeom prst="rect">
+            <a:avLst/>
+          </a:prstGeom>
+          <a:noFill/>
+          <a:ln>
+            <a:noFill/>
+          </a:ln>
+          <a:effectLst/>
+          <a:extLst>
+            <a:ext uri="{909E8E84-426E-40DD-AFC4-6F175D3DCCD1}">
+              <a14:hiddenFill xmlns:a14="http://schemas.microsoft.com/office/drawing/2010/main">
+                <a:solidFill>
+                  <a:schemeClr val="accent1"/>
+                </a:solidFill>
+              </a14:hiddenFill>
+            </a:ext>
+            <a:ext uri="{91240B29-F687-4F45-9708-019B960494DF}">
+              <a14:hiddenLine xmlns:a14="http://schemas.microsoft.com/office/drawing/2010/main" w="9525">
+                <a:solidFill>
+                  <a:schemeClr val="tx1"/>
+                </a:solidFill>
+                <a:miter lim="800000"/>
+                <a:headEnd/>
+                <a:tailEnd/>
+              </a14:hiddenLine>
+            </a:ext>
+            <a:ext uri="{AF507438-7753-43E0-B8FC-AC1667EBCBE1}">
+              <a14:hiddenEffects xmlns:a14="http://schemas.microsoft.com/office/drawing/2010/main">
+                <a:effectLst>
+                  <a:outerShdw dist="35921" dir="2700000" algn="ctr" rotWithShape="0">
+                    <a:schemeClr val="bg2"/>
+                  </a:outerShdw>
+                </a:effectLst>
+              </a14:hiddenEffects>
+            </a:ext>
+          </a:extLst>
         </p:spPr>
         <p:txBody>
-          <a:bodyPr vert="horz" lIns="91440" tIns="45720" rIns="91440" bIns="45720" rtlCol="0" anchor="t">
-            <a:normAutofit/>
+          <a:bodyPr vert="horz" wrap="none" lIns="91440" tIns="45720" rIns="91440" bIns="45720" numCol="1" anchor="ctr" anchorCtr="0" compatLnSpc="1">
+            <a:prstTxWarp prst="textNoShape">
+              <a:avLst/>
+            </a:prstTxWarp>
+            <a:spAutoFit/>
           </a:bodyPr>
           <a:lstStyle/>
           <a:p>
-            <a:r>
-              <a:rPr lang="de-DE" dirty="0">
+            <a:pPr marL="0" marR="0" lvl="0" indent="0" algn="l" defTabSz="914400" rtl="0" eaLnBrk="0" fontAlgn="base" latinLnBrk="0" hangingPunct="0">
+              <a:lnSpc>
+                <a:spcPct val="100000"/>
+              </a:lnSpc>
+              <a:spcBef>
+                <a:spcPct val="0"/>
+              </a:spcBef>
+              <a:spcAft>
+                <a:spcPct val="0"/>
+              </a:spcAft>
+              <a:buClrTx/>
+              <a:buSzTx/>
+              <a:buFontTx/>
+              <a:buNone/>
+              <a:tabLst/>
+            </a:pPr>
+            <a:r>
+              <a:rPr kumimoji="0" lang="pt-BR" altLang="pt-BR" sz="2000" b="0" i="0" u="none" strike="noStrike" cap="none" normalizeH="0" baseline="0" dirty="0">
+                <a:ln>
+                  <a:noFill/>
+                </a:ln>
                 <a:solidFill>
                   <a:schemeClr val="bg1"/>
                 </a:solidFill>
-                <a:ea typeface="+mn-lt"/>
-                <a:cs typeface="+mn-lt"/>
+                <a:effectLst/>
+                <a:latin typeface="Arial" panose="020B0604020202020204" pitchFamily="34" charset="0"/>
               </a:rPr>
-              <a:t>O teste de </a:t>
-            </a:r>
-            <a:r>
-              <a:rPr lang="de-DE" dirty="0" err="1">
+              <a:t>O teste de confirmação, ou retest, verifica se um defeito identificado foi corrigido corretamente.</a:t>
+            </a:r>
+            <a:br>
+              <a:rPr kumimoji="0" lang="pt-BR" altLang="pt-BR" sz="2000" b="0" i="0" u="none" strike="noStrike" cap="none" normalizeH="0" baseline="0" dirty="0">
+                <a:ln>
+                  <a:noFill/>
+                </a:ln>
                 <a:solidFill>
                   <a:schemeClr val="bg1"/>
                 </a:solidFill>
-                <a:ea typeface="+mn-lt"/>
-                <a:cs typeface="+mn-lt"/>
+                <a:effectLst/>
+                <a:latin typeface="Arial" panose="020B0604020202020204" pitchFamily="34" charset="0"/>
               </a:rPr>
-              <a:t>confirmação</a:t>
-            </a:r>
-            <a:r>
-              <a:rPr lang="de-DE" dirty="0">
+            </a:br>
+            <a:r>
+              <a:rPr kumimoji="0" lang="pt-BR" altLang="pt-BR" sz="2000" b="0" i="0" u="none" strike="noStrike" cap="none" normalizeH="0" baseline="0" dirty="0">
+                <a:ln>
+                  <a:noFill/>
+                </a:ln>
                 <a:solidFill>
                   <a:schemeClr val="bg1"/>
                 </a:solidFill>
-                <a:ea typeface="+mn-lt"/>
-                <a:cs typeface="+mn-lt"/>
+                <a:effectLst/>
+                <a:latin typeface="Arial" panose="020B0604020202020204" pitchFamily="34" charset="0"/>
               </a:rPr>
-              <a:t>, </a:t>
-            </a:r>
-            <a:r>
-              <a:rPr lang="de-DE" dirty="0" err="1">
+              <a:t>Seu objetivo é garantir que a falha não persista no sistema.</a:t>
+            </a:r>
+            <a:br>
+              <a:rPr kumimoji="0" lang="pt-BR" altLang="pt-BR" sz="2000" b="0" i="0" u="none" strike="noStrike" cap="none" normalizeH="0" baseline="0" dirty="0">
+                <a:ln>
+                  <a:noFill/>
+                </a:ln>
                 <a:solidFill>
                   <a:schemeClr val="bg1"/>
                 </a:solidFill>
-                <a:ea typeface="+mn-lt"/>
-                <a:cs typeface="+mn-lt"/>
+                <a:effectLst/>
+                <a:latin typeface="Arial" panose="020B0604020202020204" pitchFamily="34" charset="0"/>
               </a:rPr>
-              <a:t>também</a:t>
-            </a:r>
-            <a:r>
-              <a:rPr lang="de-DE" dirty="0">
+            </a:br>
+            <a:r>
+              <a:rPr kumimoji="0" lang="pt-BR" altLang="pt-BR" sz="2000" b="0" i="0" u="none" strike="noStrike" cap="none" normalizeH="0" baseline="0" dirty="0">
+                <a:ln>
+                  <a:noFill/>
+                </a:ln>
                 <a:solidFill>
                   <a:schemeClr val="bg1"/>
                 </a:solidFill>
-                <a:ea typeface="+mn-lt"/>
-                <a:cs typeface="+mn-lt"/>
+                <a:effectLst/>
+                <a:latin typeface="Arial" panose="020B0604020202020204" pitchFamily="34" charset="0"/>
               </a:rPr>
-              <a:t> </a:t>
-            </a:r>
-            <a:r>
-              <a:rPr lang="de-DE" dirty="0" err="1">
+              <a:t>É realizado após a correção do problema.</a:t>
+            </a:r>
+            <a:br>
+              <a:rPr kumimoji="0" lang="pt-BR" altLang="pt-BR" sz="2000" b="0" i="0" u="none" strike="noStrike" cap="none" normalizeH="0" baseline="0" dirty="0">
+                <a:ln>
+                  <a:noFill/>
+                </a:ln>
                 <a:solidFill>
                   <a:schemeClr val="bg1"/>
                 </a:solidFill>
-                <a:ea typeface="+mn-lt"/>
-                <a:cs typeface="+mn-lt"/>
+                <a:effectLst/>
+                <a:latin typeface="Arial" panose="020B0604020202020204" pitchFamily="34" charset="0"/>
               </a:rPr>
-              <a:t>conhecido</a:t>
-            </a:r>
-            <a:r>
-              <a:rPr lang="de-DE" dirty="0">
+            </a:br>
+            <a:r>
+              <a:rPr kumimoji="0" lang="pt-BR" altLang="pt-BR" sz="2000" b="0" i="0" u="none" strike="noStrike" cap="none" normalizeH="0" baseline="0" dirty="0">
+                <a:ln>
+                  <a:noFill/>
+                </a:ln>
                 <a:solidFill>
                   <a:schemeClr val="bg1"/>
                 </a:solidFill>
-                <a:ea typeface="+mn-lt"/>
-                <a:cs typeface="+mn-lt"/>
+                <a:effectLst/>
+                <a:latin typeface="Arial" panose="020B0604020202020204" pitchFamily="34" charset="0"/>
               </a:rPr>
-              <a:t> </a:t>
-            </a:r>
-            <a:r>
-              <a:rPr lang="de-DE" dirty="0" err="1">
-                <a:solidFill>
-                  <a:schemeClr val="bg1"/>
-                </a:solidFill>
-                <a:ea typeface="+mn-lt"/>
-                <a:cs typeface="+mn-lt"/>
-              </a:rPr>
-              <a:t>como</a:t>
-            </a:r>
-            <a:r>
-              <a:rPr lang="de-DE" dirty="0">
-                <a:solidFill>
-                  <a:schemeClr val="bg1"/>
-                </a:solidFill>
-                <a:ea typeface="+mn-lt"/>
-                <a:cs typeface="+mn-lt"/>
-              </a:rPr>
-              <a:t> </a:t>
-            </a:r>
-            <a:r>
-              <a:rPr lang="de-DE" dirty="0" err="1">
-                <a:solidFill>
-                  <a:schemeClr val="bg1"/>
-                </a:solidFill>
-                <a:ea typeface="+mn-lt"/>
-                <a:cs typeface="+mn-lt"/>
-              </a:rPr>
-              <a:t>retest</a:t>
-            </a:r>
-            <a:r>
-              <a:rPr lang="de-DE" dirty="0">
-                <a:solidFill>
-                  <a:schemeClr val="bg1"/>
-                </a:solidFill>
-                <a:ea typeface="+mn-lt"/>
-                <a:cs typeface="+mn-lt"/>
-              </a:rPr>
-              <a:t>, </a:t>
-            </a:r>
-            <a:r>
-              <a:rPr lang="de-DE" dirty="0" err="1">
-                <a:solidFill>
-                  <a:schemeClr val="bg1"/>
-                </a:solidFill>
-                <a:ea typeface="+mn-lt"/>
-                <a:cs typeface="+mn-lt"/>
-              </a:rPr>
-              <a:t>tem</a:t>
-            </a:r>
-            <a:r>
-              <a:rPr lang="de-DE" dirty="0">
-                <a:solidFill>
-                  <a:schemeClr val="bg1"/>
-                </a:solidFill>
-                <a:ea typeface="+mn-lt"/>
-                <a:cs typeface="+mn-lt"/>
-              </a:rPr>
-              <a:t> </a:t>
-            </a:r>
-            <a:r>
-              <a:rPr lang="de-DE" dirty="0" err="1">
-                <a:solidFill>
-                  <a:schemeClr val="bg1"/>
-                </a:solidFill>
-                <a:ea typeface="+mn-lt"/>
-                <a:cs typeface="+mn-lt"/>
-              </a:rPr>
-              <a:t>como</a:t>
-            </a:r>
-            <a:r>
-              <a:rPr lang="de-DE" dirty="0">
-                <a:solidFill>
-                  <a:schemeClr val="bg1"/>
-                </a:solidFill>
-                <a:ea typeface="+mn-lt"/>
-                <a:cs typeface="+mn-lt"/>
-              </a:rPr>
-              <a:t> </a:t>
-            </a:r>
-            <a:r>
-              <a:rPr lang="de-DE" dirty="0" err="1">
-                <a:solidFill>
-                  <a:schemeClr val="bg1"/>
-                </a:solidFill>
-                <a:ea typeface="+mn-lt"/>
-                <a:cs typeface="+mn-lt"/>
-              </a:rPr>
-              <a:t>principal</a:t>
-            </a:r>
-            <a:r>
-              <a:rPr lang="de-DE" dirty="0">
-                <a:solidFill>
-                  <a:schemeClr val="bg1"/>
-                </a:solidFill>
-                <a:ea typeface="+mn-lt"/>
-                <a:cs typeface="+mn-lt"/>
-              </a:rPr>
-              <a:t> </a:t>
-            </a:r>
-            <a:r>
-              <a:rPr lang="de-DE" dirty="0" err="1">
-                <a:solidFill>
-                  <a:schemeClr val="bg1"/>
-                </a:solidFill>
-                <a:ea typeface="+mn-lt"/>
-                <a:cs typeface="+mn-lt"/>
-              </a:rPr>
-              <a:t>objetivo</a:t>
-            </a:r>
-            <a:r>
-              <a:rPr lang="de-DE" dirty="0">
-                <a:solidFill>
-                  <a:schemeClr val="bg1"/>
-                </a:solidFill>
-                <a:ea typeface="+mn-lt"/>
-                <a:cs typeface="+mn-lt"/>
-              </a:rPr>
-              <a:t> </a:t>
-            </a:r>
-            <a:r>
-              <a:rPr lang="de-DE" dirty="0" err="1">
-                <a:solidFill>
-                  <a:schemeClr val="bg1"/>
-                </a:solidFill>
-                <a:ea typeface="+mn-lt"/>
-                <a:cs typeface="+mn-lt"/>
-              </a:rPr>
-              <a:t>validar</a:t>
-            </a:r>
-            <a:r>
-              <a:rPr lang="de-DE" dirty="0">
-                <a:solidFill>
-                  <a:schemeClr val="bg1"/>
-                </a:solidFill>
-                <a:ea typeface="+mn-lt"/>
-                <a:cs typeface="+mn-lt"/>
-              </a:rPr>
-              <a:t> </a:t>
-            </a:r>
-            <a:r>
-              <a:rPr lang="de-DE" dirty="0" err="1">
-                <a:solidFill>
-                  <a:schemeClr val="bg1"/>
-                </a:solidFill>
-                <a:ea typeface="+mn-lt"/>
-                <a:cs typeface="+mn-lt"/>
-              </a:rPr>
-              <a:t>que</a:t>
-            </a:r>
-            <a:r>
-              <a:rPr lang="de-DE" dirty="0">
-                <a:solidFill>
-                  <a:schemeClr val="bg1"/>
-                </a:solidFill>
-                <a:ea typeface="+mn-lt"/>
-                <a:cs typeface="+mn-lt"/>
-              </a:rPr>
-              <a:t> um </a:t>
-            </a:r>
-            <a:r>
-              <a:rPr lang="de-DE" dirty="0" err="1">
-                <a:solidFill>
-                  <a:schemeClr val="bg1"/>
-                </a:solidFill>
-                <a:ea typeface="+mn-lt"/>
-                <a:cs typeface="+mn-lt"/>
-              </a:rPr>
-              <a:t>defeito</a:t>
-            </a:r>
-            <a:r>
-              <a:rPr lang="de-DE" dirty="0">
-                <a:solidFill>
-                  <a:schemeClr val="bg1"/>
-                </a:solidFill>
-                <a:ea typeface="+mn-lt"/>
-                <a:cs typeface="+mn-lt"/>
-              </a:rPr>
-              <a:t> </a:t>
-            </a:r>
-            <a:r>
-              <a:rPr lang="de-DE" dirty="0" err="1">
-                <a:solidFill>
-                  <a:schemeClr val="bg1"/>
-                </a:solidFill>
-                <a:ea typeface="+mn-lt"/>
-                <a:cs typeface="+mn-lt"/>
-              </a:rPr>
-              <a:t>encontrado</a:t>
-            </a:r>
-            <a:r>
-              <a:rPr lang="de-DE" dirty="0">
-                <a:solidFill>
-                  <a:schemeClr val="bg1"/>
-                </a:solidFill>
-                <a:ea typeface="+mn-lt"/>
-                <a:cs typeface="+mn-lt"/>
-              </a:rPr>
-              <a:t> </a:t>
-            </a:r>
-            <a:r>
-              <a:rPr lang="de-DE" dirty="0" err="1">
-                <a:solidFill>
-                  <a:schemeClr val="bg1"/>
-                </a:solidFill>
-                <a:ea typeface="+mn-lt"/>
-                <a:cs typeface="+mn-lt"/>
-              </a:rPr>
-              <a:t>anteriormente</a:t>
-            </a:r>
-            <a:r>
-              <a:rPr lang="de-DE" dirty="0">
-                <a:solidFill>
-                  <a:schemeClr val="bg1"/>
-                </a:solidFill>
-                <a:ea typeface="+mn-lt"/>
-                <a:cs typeface="+mn-lt"/>
-              </a:rPr>
-              <a:t> </a:t>
-            </a:r>
-            <a:r>
-              <a:rPr lang="de-DE" dirty="0" err="1">
-                <a:solidFill>
-                  <a:schemeClr val="bg1"/>
-                </a:solidFill>
-                <a:ea typeface="+mn-lt"/>
-                <a:cs typeface="+mn-lt"/>
-              </a:rPr>
-              <a:t>foi</a:t>
-            </a:r>
-            <a:r>
-              <a:rPr lang="de-DE" dirty="0">
-                <a:solidFill>
-                  <a:schemeClr val="bg1"/>
-                </a:solidFill>
-                <a:ea typeface="+mn-lt"/>
-                <a:cs typeface="+mn-lt"/>
-              </a:rPr>
-              <a:t> </a:t>
-            </a:r>
-            <a:r>
-              <a:rPr lang="de-DE" dirty="0" err="1">
-                <a:solidFill>
-                  <a:schemeClr val="bg1"/>
-                </a:solidFill>
-                <a:ea typeface="+mn-lt"/>
-                <a:cs typeface="+mn-lt"/>
-              </a:rPr>
-              <a:t>devidamente</a:t>
-            </a:r>
-            <a:r>
-              <a:rPr lang="de-DE" dirty="0">
-                <a:solidFill>
-                  <a:schemeClr val="bg1"/>
-                </a:solidFill>
-                <a:ea typeface="+mn-lt"/>
-                <a:cs typeface="+mn-lt"/>
-              </a:rPr>
-              <a:t> </a:t>
-            </a:r>
-            <a:r>
-              <a:rPr lang="de-DE" dirty="0" err="1">
-                <a:solidFill>
-                  <a:schemeClr val="bg1"/>
-                </a:solidFill>
-                <a:ea typeface="+mn-lt"/>
-                <a:cs typeface="+mn-lt"/>
-              </a:rPr>
-              <a:t>corrigido</a:t>
-            </a:r>
-            <a:r>
-              <a:rPr lang="de-DE" dirty="0">
-                <a:solidFill>
-                  <a:schemeClr val="bg1"/>
-                </a:solidFill>
-                <a:ea typeface="+mn-lt"/>
-                <a:cs typeface="+mn-lt"/>
-              </a:rPr>
-              <a:t>.</a:t>
-            </a:r>
-            <a:endParaRPr lang="pt-BR" dirty="0">
-              <a:solidFill>
-                <a:schemeClr val="bg1"/>
-              </a:solidFill>
-            </a:endParaRPr>
-          </a:p>
-          <a:p>
-            <a:endParaRPr lang="de-DE" dirty="0">
-              <a:solidFill>
-                <a:schemeClr val="bg1"/>
-              </a:solidFill>
-              <a:ea typeface="+mn-lt"/>
-              <a:cs typeface="+mn-lt"/>
-            </a:endParaRPr>
+              <a:t>Confirma a eficácia da solução aplicada.</a:t>
+            </a:r>
           </a:p>
         </p:txBody>
       </p:sp>
@@ -7446,524 +7225,174 @@
       </p:sp>
       <p:sp>
         <p:nvSpPr>
-          <p:cNvPr id="3" name="Subtítulo 2">
-            <a:extLst>
-              <a:ext uri="{FF2B5EF4-FFF2-40B4-BE49-F238E27FC236}">
-                <a16:creationId xmlns:a16="http://schemas.microsoft.com/office/drawing/2014/main" id="{A4F95F91-AF31-807C-C488-B29B7447ABAC}"/>
+          <p:cNvPr id="5" name="Rectangle 1">
+            <a:extLst>
+              <a:ext uri="{FF2B5EF4-FFF2-40B4-BE49-F238E27FC236}">
+                <a16:creationId xmlns:a16="http://schemas.microsoft.com/office/drawing/2014/main" id="{E4992099-C43E-ADFF-6DC7-2CDE0CE81B24}"/>
               </a:ext>
             </a:extLst>
           </p:cNvPr>
           <p:cNvSpPr>
-            <a:spLocks noGrp="1"/>
+            <a:spLocks noGrp="1" noChangeArrowheads="1"/>
           </p:cNvSpPr>
           <p:nvPr>
             <p:ph type="subTitle" idx="1"/>
           </p:nvPr>
         </p:nvSpPr>
-        <p:spPr>
+        <p:spPr bwMode="auto">
           <a:xfrm>
-            <a:off x="3437" y="2969435"/>
-            <a:ext cx="12182077" cy="3035987"/>
+            <a:off x="3175" y="3703033"/>
+            <a:ext cx="11373626" cy="1569660"/>
           </a:xfrm>
+          <a:prstGeom prst="rect">
+            <a:avLst/>
+          </a:prstGeom>
+          <a:noFill/>
+          <a:ln>
+            <a:noFill/>
+          </a:ln>
+          <a:effectLst/>
+          <a:extLst>
+            <a:ext uri="{909E8E84-426E-40DD-AFC4-6F175D3DCCD1}">
+              <a14:hiddenFill xmlns:a14="http://schemas.microsoft.com/office/drawing/2010/main">
+                <a:solidFill>
+                  <a:schemeClr val="accent1"/>
+                </a:solidFill>
+              </a14:hiddenFill>
+            </a:ext>
+            <a:ext uri="{91240B29-F687-4F45-9708-019B960494DF}">
+              <a14:hiddenLine xmlns:a14="http://schemas.microsoft.com/office/drawing/2010/main" w="9525">
+                <a:solidFill>
+                  <a:schemeClr val="tx1"/>
+                </a:solidFill>
+                <a:miter lim="800000"/>
+                <a:headEnd/>
+                <a:tailEnd/>
+              </a14:hiddenLine>
+            </a:ext>
+            <a:ext uri="{AF507438-7753-43E0-B8FC-AC1667EBCBE1}">
+              <a14:hiddenEffects xmlns:a14="http://schemas.microsoft.com/office/drawing/2010/main">
+                <a:effectLst>
+                  <a:outerShdw dist="35921" dir="2700000" algn="ctr" rotWithShape="0">
+                    <a:schemeClr val="bg2"/>
+                  </a:outerShdw>
+                </a:effectLst>
+              </a14:hiddenEffects>
+            </a:ext>
+          </a:extLst>
         </p:spPr>
         <p:txBody>
-          <a:bodyPr vert="horz" lIns="91440" tIns="45720" rIns="91440" bIns="45720" rtlCol="0" anchor="t">
-            <a:normAutofit/>
+          <a:bodyPr vert="horz" wrap="none" lIns="91440" tIns="45720" rIns="91440" bIns="45720" numCol="1" anchor="ctr" anchorCtr="0" compatLnSpc="1">
+            <a:prstTxWarp prst="textNoShape">
+              <a:avLst/>
+            </a:prstTxWarp>
+            <a:spAutoFit/>
           </a:bodyPr>
           <a:lstStyle/>
           <a:p>
-            <a:endParaRPr lang="pt-BR"/>
-          </a:p>
-          <a:p>
-            <a:r>
-              <a:rPr lang="de-DE" dirty="0">
+            <a:pPr marL="0" marR="0" lvl="0" indent="0" algn="l" defTabSz="914400" rtl="0" eaLnBrk="0" fontAlgn="base" latinLnBrk="0" hangingPunct="0">
+              <a:lnSpc>
+                <a:spcPct val="100000"/>
+              </a:lnSpc>
+              <a:spcBef>
+                <a:spcPct val="0"/>
+              </a:spcBef>
+              <a:spcAft>
+                <a:spcPct val="0"/>
+              </a:spcAft>
+              <a:buClrTx/>
+              <a:buSzTx/>
+              <a:buFontTx/>
+              <a:buNone/>
+              <a:tabLst/>
+            </a:pPr>
+            <a:r>
+              <a:rPr kumimoji="0" lang="pt-BR" altLang="pt-BR" b="0" i="0" u="none" strike="noStrike" cap="none" normalizeH="0" baseline="0" dirty="0">
+                <a:ln>
+                  <a:noFill/>
+                </a:ln>
                 <a:solidFill>
                   <a:schemeClr val="bg1"/>
                 </a:solidFill>
-                <a:ea typeface="+mn-lt"/>
-                <a:cs typeface="+mn-lt"/>
+                <a:effectLst/>
+                <a:latin typeface="Arial" panose="020B0604020202020204" pitchFamily="34" charset="0"/>
               </a:rPr>
-              <a:t>Imagine </a:t>
-            </a:r>
-            <a:r>
-              <a:rPr lang="de-DE" err="1">
+              <a:t>O teste de confirmação verifica se o bug do botão "Salvar" foi realmente corrigido.</a:t>
+            </a:r>
+            <a:br>
+              <a:rPr kumimoji="0" lang="pt-BR" altLang="pt-BR" b="0" i="0" u="none" strike="noStrike" cap="none" normalizeH="0" baseline="0" dirty="0">
+                <a:ln>
+                  <a:noFill/>
+                </a:ln>
                 <a:solidFill>
                   <a:schemeClr val="bg1"/>
                 </a:solidFill>
-                <a:ea typeface="+mn-lt"/>
-                <a:cs typeface="+mn-lt"/>
+                <a:effectLst/>
+                <a:latin typeface="Arial" panose="020B0604020202020204" pitchFamily="34" charset="0"/>
               </a:rPr>
-              <a:t>que</a:t>
-            </a:r>
-            <a:r>
-              <a:rPr lang="de-DE" dirty="0">
+            </a:br>
+            <a:r>
+              <a:rPr kumimoji="0" lang="pt-BR" altLang="pt-BR" b="0" i="0" u="none" strike="noStrike" cap="none" normalizeH="0" baseline="0" dirty="0">
+                <a:ln>
+                  <a:noFill/>
+                </a:ln>
                 <a:solidFill>
                   <a:schemeClr val="bg1"/>
                 </a:solidFill>
-                <a:ea typeface="+mn-lt"/>
-                <a:cs typeface="+mn-lt"/>
+                <a:effectLst/>
+                <a:latin typeface="Arial" panose="020B0604020202020204" pitchFamily="34" charset="0"/>
               </a:rPr>
-              <a:t> sua </a:t>
-            </a:r>
-            <a:r>
-              <a:rPr lang="de-DE" err="1">
+              <a:t>Ele garante que os dados agora estão sendo armazenados corretamente.</a:t>
+            </a:r>
+            <a:br>
+              <a:rPr kumimoji="0" lang="pt-BR" altLang="pt-BR" b="0" i="0" u="none" strike="noStrike" cap="none" normalizeH="0" baseline="0" dirty="0">
+                <a:ln>
+                  <a:noFill/>
+                </a:ln>
                 <a:solidFill>
                   <a:schemeClr val="bg1"/>
                 </a:solidFill>
-                <a:ea typeface="+mn-lt"/>
-                <a:cs typeface="+mn-lt"/>
+                <a:effectLst/>
+                <a:latin typeface="Arial" panose="020B0604020202020204" pitchFamily="34" charset="0"/>
               </a:rPr>
-              <a:t>equipe</a:t>
-            </a:r>
-            <a:r>
-              <a:rPr lang="de-DE" dirty="0">
+            </a:br>
+            <a:r>
+              <a:rPr kumimoji="0" lang="pt-BR" altLang="pt-BR" b="0" i="0" u="none" strike="noStrike" cap="none" normalizeH="0" baseline="0" dirty="0">
+                <a:ln>
+                  <a:noFill/>
+                </a:ln>
                 <a:solidFill>
                   <a:schemeClr val="bg1"/>
                 </a:solidFill>
-                <a:ea typeface="+mn-lt"/>
-                <a:cs typeface="+mn-lt"/>
+                <a:effectLst/>
+                <a:latin typeface="Arial" panose="020B0604020202020204" pitchFamily="34" charset="0"/>
               </a:rPr>
-              <a:t> </a:t>
-            </a:r>
-            <a:r>
-              <a:rPr lang="de-DE" err="1">
+              <a:t>É realizado após a equipe aplicar a correção no código.</a:t>
+            </a:r>
+            <a:br>
+              <a:rPr kumimoji="0" lang="pt-BR" altLang="pt-BR" b="0" i="0" u="none" strike="noStrike" cap="none" normalizeH="0" baseline="0" dirty="0">
+                <a:ln>
+                  <a:noFill/>
+                </a:ln>
                 <a:solidFill>
                   <a:schemeClr val="bg1"/>
                 </a:solidFill>
-                <a:ea typeface="+mn-lt"/>
-                <a:cs typeface="+mn-lt"/>
+                <a:effectLst/>
+                <a:latin typeface="Arial" panose="020B0604020202020204" pitchFamily="34" charset="0"/>
               </a:rPr>
-              <a:t>detectou</a:t>
-            </a:r>
-            <a:r>
-              <a:rPr lang="de-DE" dirty="0">
+            </a:br>
+            <a:r>
+              <a:rPr kumimoji="0" lang="pt-BR" altLang="pt-BR" b="0" i="0" u="none" strike="noStrike" cap="none" normalizeH="0" baseline="0" dirty="0">
+                <a:ln>
+                  <a:noFill/>
+                </a:ln>
                 <a:solidFill>
                   <a:schemeClr val="bg1"/>
                 </a:solidFill>
-                <a:ea typeface="+mn-lt"/>
-                <a:cs typeface="+mn-lt"/>
+                <a:effectLst/>
+                <a:latin typeface="Arial" panose="020B0604020202020204" pitchFamily="34" charset="0"/>
               </a:rPr>
-              <a:t> um </a:t>
-            </a:r>
-            <a:r>
-              <a:rPr lang="de-DE" err="1">
-                <a:solidFill>
-                  <a:schemeClr val="bg1"/>
-                </a:solidFill>
-                <a:ea typeface="+mn-lt"/>
-                <a:cs typeface="+mn-lt"/>
-              </a:rPr>
-              <a:t>bug</a:t>
-            </a:r>
-            <a:r>
-              <a:rPr lang="de-DE" dirty="0">
-                <a:solidFill>
-                  <a:schemeClr val="bg1"/>
-                </a:solidFill>
-                <a:ea typeface="+mn-lt"/>
-                <a:cs typeface="+mn-lt"/>
-              </a:rPr>
-              <a:t> </a:t>
-            </a:r>
-            <a:r>
-              <a:rPr lang="de-DE" err="1">
-                <a:solidFill>
-                  <a:schemeClr val="bg1"/>
-                </a:solidFill>
-                <a:ea typeface="+mn-lt"/>
-                <a:cs typeface="+mn-lt"/>
-              </a:rPr>
-              <a:t>crítico</a:t>
-            </a:r>
-            <a:r>
-              <a:rPr lang="de-DE" dirty="0">
-                <a:solidFill>
-                  <a:schemeClr val="bg1"/>
-                </a:solidFill>
-                <a:ea typeface="+mn-lt"/>
-                <a:cs typeface="+mn-lt"/>
-              </a:rPr>
-              <a:t>: um </a:t>
-            </a:r>
-            <a:r>
-              <a:rPr lang="de-DE" err="1">
-                <a:solidFill>
-                  <a:schemeClr val="bg1"/>
-                </a:solidFill>
-                <a:ea typeface="+mn-lt"/>
-                <a:cs typeface="+mn-lt"/>
-              </a:rPr>
-              <a:t>botão</a:t>
-            </a:r>
-            <a:r>
-              <a:rPr lang="de-DE" dirty="0">
-                <a:solidFill>
-                  <a:schemeClr val="bg1"/>
-                </a:solidFill>
-                <a:ea typeface="+mn-lt"/>
-                <a:cs typeface="+mn-lt"/>
-              </a:rPr>
-              <a:t> "</a:t>
-            </a:r>
-            <a:r>
-              <a:rPr lang="de-DE" err="1">
-                <a:solidFill>
-                  <a:schemeClr val="bg1"/>
-                </a:solidFill>
-                <a:ea typeface="+mn-lt"/>
-                <a:cs typeface="+mn-lt"/>
-              </a:rPr>
-              <a:t>Salvar</a:t>
-            </a:r>
-            <a:r>
-              <a:rPr lang="de-DE" dirty="0">
-                <a:solidFill>
-                  <a:schemeClr val="bg1"/>
-                </a:solidFill>
-                <a:ea typeface="+mn-lt"/>
-                <a:cs typeface="+mn-lt"/>
-              </a:rPr>
-              <a:t>" </a:t>
-            </a:r>
-            <a:r>
-              <a:rPr lang="de-DE" err="1">
-                <a:solidFill>
-                  <a:schemeClr val="bg1"/>
-                </a:solidFill>
-                <a:ea typeface="+mn-lt"/>
-                <a:cs typeface="+mn-lt"/>
-              </a:rPr>
-              <a:t>em</a:t>
-            </a:r>
-            <a:r>
-              <a:rPr lang="de-DE" dirty="0">
-                <a:solidFill>
-                  <a:schemeClr val="bg1"/>
-                </a:solidFill>
-                <a:ea typeface="+mn-lt"/>
-                <a:cs typeface="+mn-lt"/>
-              </a:rPr>
-              <a:t> um </a:t>
-            </a:r>
-            <a:r>
-              <a:rPr lang="de-DE" err="1">
-                <a:solidFill>
-                  <a:schemeClr val="bg1"/>
-                </a:solidFill>
-                <a:ea typeface="+mn-lt"/>
-                <a:cs typeface="+mn-lt"/>
-              </a:rPr>
-              <a:t>formulário</a:t>
-            </a:r>
-            <a:r>
-              <a:rPr lang="de-DE" dirty="0">
-                <a:solidFill>
-                  <a:schemeClr val="bg1"/>
-                </a:solidFill>
-                <a:ea typeface="+mn-lt"/>
-                <a:cs typeface="+mn-lt"/>
-              </a:rPr>
-              <a:t> </a:t>
-            </a:r>
-            <a:r>
-              <a:rPr lang="de-DE" err="1">
-                <a:solidFill>
-                  <a:schemeClr val="bg1"/>
-                </a:solidFill>
-                <a:ea typeface="+mn-lt"/>
-                <a:cs typeface="+mn-lt"/>
-              </a:rPr>
-              <a:t>não</a:t>
-            </a:r>
-            <a:r>
-              <a:rPr lang="de-DE" dirty="0">
-                <a:solidFill>
-                  <a:schemeClr val="bg1"/>
-                </a:solidFill>
-                <a:ea typeface="+mn-lt"/>
-                <a:cs typeface="+mn-lt"/>
-              </a:rPr>
-              <a:t> </a:t>
-            </a:r>
-            <a:r>
-              <a:rPr lang="de-DE" err="1">
-                <a:solidFill>
-                  <a:schemeClr val="bg1"/>
-                </a:solidFill>
-                <a:ea typeface="+mn-lt"/>
-                <a:cs typeface="+mn-lt"/>
-              </a:rPr>
-              <a:t>está</a:t>
-            </a:r>
-            <a:r>
-              <a:rPr lang="de-DE" dirty="0">
-                <a:solidFill>
-                  <a:schemeClr val="bg1"/>
-                </a:solidFill>
-                <a:ea typeface="+mn-lt"/>
-                <a:cs typeface="+mn-lt"/>
-              </a:rPr>
-              <a:t> </a:t>
-            </a:r>
-            <a:r>
-              <a:rPr lang="de-DE" err="1">
-                <a:solidFill>
-                  <a:schemeClr val="bg1"/>
-                </a:solidFill>
-                <a:ea typeface="+mn-lt"/>
-                <a:cs typeface="+mn-lt"/>
-              </a:rPr>
-              <a:t>armazenando</a:t>
-            </a:r>
-            <a:r>
-              <a:rPr lang="de-DE" dirty="0">
-                <a:solidFill>
-                  <a:schemeClr val="bg1"/>
-                </a:solidFill>
-                <a:ea typeface="+mn-lt"/>
-                <a:cs typeface="+mn-lt"/>
-              </a:rPr>
-              <a:t> </a:t>
-            </a:r>
-            <a:r>
-              <a:rPr lang="de-DE" err="1">
-                <a:solidFill>
-                  <a:schemeClr val="bg1"/>
-                </a:solidFill>
-                <a:ea typeface="+mn-lt"/>
-                <a:cs typeface="+mn-lt"/>
-              </a:rPr>
-              <a:t>os</a:t>
-            </a:r>
-            <a:r>
-              <a:rPr lang="de-DE" dirty="0">
-                <a:solidFill>
-                  <a:schemeClr val="bg1"/>
-                </a:solidFill>
-                <a:ea typeface="+mn-lt"/>
-                <a:cs typeface="+mn-lt"/>
-              </a:rPr>
-              <a:t> </a:t>
-            </a:r>
-            <a:r>
-              <a:rPr lang="de-DE" err="1">
-                <a:solidFill>
-                  <a:schemeClr val="bg1"/>
-                </a:solidFill>
-                <a:ea typeface="+mn-lt"/>
-                <a:cs typeface="+mn-lt"/>
-              </a:rPr>
-              <a:t>dados</a:t>
-            </a:r>
-            <a:r>
-              <a:rPr lang="de-DE" dirty="0">
-                <a:solidFill>
-                  <a:schemeClr val="bg1"/>
-                </a:solidFill>
-                <a:ea typeface="+mn-lt"/>
-                <a:cs typeface="+mn-lt"/>
-              </a:rPr>
-              <a:t> </a:t>
-            </a:r>
-            <a:r>
-              <a:rPr lang="de-DE" err="1">
-                <a:solidFill>
-                  <a:schemeClr val="bg1"/>
-                </a:solidFill>
-                <a:ea typeface="+mn-lt"/>
-                <a:cs typeface="+mn-lt"/>
-              </a:rPr>
-              <a:t>corretamente</a:t>
-            </a:r>
-            <a:r>
-              <a:rPr lang="de-DE" dirty="0">
-                <a:solidFill>
-                  <a:schemeClr val="bg1"/>
-                </a:solidFill>
-                <a:ea typeface="+mn-lt"/>
-                <a:cs typeface="+mn-lt"/>
-              </a:rPr>
-              <a:t>. O time de </a:t>
-            </a:r>
-            <a:r>
-              <a:rPr lang="de-DE" err="1">
-                <a:solidFill>
-                  <a:schemeClr val="bg1"/>
-                </a:solidFill>
-                <a:ea typeface="+mn-lt"/>
-                <a:cs typeface="+mn-lt"/>
-              </a:rPr>
-              <a:t>desenvolvimento</a:t>
-            </a:r>
-            <a:r>
-              <a:rPr lang="de-DE" dirty="0">
-                <a:solidFill>
-                  <a:schemeClr val="bg1"/>
-                </a:solidFill>
-                <a:ea typeface="+mn-lt"/>
-                <a:cs typeface="+mn-lt"/>
-              </a:rPr>
-              <a:t> </a:t>
-            </a:r>
-            <a:r>
-              <a:rPr lang="de-DE" err="1">
-                <a:solidFill>
-                  <a:schemeClr val="bg1"/>
-                </a:solidFill>
-                <a:ea typeface="+mn-lt"/>
-                <a:cs typeface="+mn-lt"/>
-              </a:rPr>
-              <a:t>realiza</a:t>
-            </a:r>
-            <a:r>
-              <a:rPr lang="de-DE" dirty="0">
-                <a:solidFill>
-                  <a:schemeClr val="bg1"/>
-                </a:solidFill>
-                <a:ea typeface="+mn-lt"/>
-                <a:cs typeface="+mn-lt"/>
-              </a:rPr>
-              <a:t> a </a:t>
-            </a:r>
-            <a:r>
-              <a:rPr lang="de-DE" err="1">
-                <a:solidFill>
-                  <a:schemeClr val="bg1"/>
-                </a:solidFill>
-                <a:ea typeface="+mn-lt"/>
-                <a:cs typeface="+mn-lt"/>
-              </a:rPr>
-              <a:t>correção</a:t>
-            </a:r>
-            <a:r>
-              <a:rPr lang="de-DE" dirty="0">
-                <a:solidFill>
-                  <a:schemeClr val="bg1"/>
-                </a:solidFill>
-                <a:ea typeface="+mn-lt"/>
-                <a:cs typeface="+mn-lt"/>
-              </a:rPr>
-              <a:t> </a:t>
-            </a:r>
-            <a:r>
-              <a:rPr lang="de-DE" err="1">
-                <a:solidFill>
-                  <a:schemeClr val="bg1"/>
-                </a:solidFill>
-                <a:ea typeface="+mn-lt"/>
-                <a:cs typeface="+mn-lt"/>
-              </a:rPr>
-              <a:t>no</a:t>
-            </a:r>
-            <a:r>
-              <a:rPr lang="de-DE" dirty="0">
-                <a:solidFill>
-                  <a:schemeClr val="bg1"/>
-                </a:solidFill>
-                <a:ea typeface="+mn-lt"/>
-                <a:cs typeface="+mn-lt"/>
-              </a:rPr>
-              <a:t> </a:t>
-            </a:r>
-            <a:r>
-              <a:rPr lang="de-DE" err="1">
-                <a:solidFill>
-                  <a:schemeClr val="bg1"/>
-                </a:solidFill>
-                <a:ea typeface="+mn-lt"/>
-                <a:cs typeface="+mn-lt"/>
-              </a:rPr>
-              <a:t>código</a:t>
-            </a:r>
-            <a:r>
-              <a:rPr lang="de-DE" dirty="0">
-                <a:solidFill>
-                  <a:schemeClr val="bg1"/>
-                </a:solidFill>
-                <a:ea typeface="+mn-lt"/>
-                <a:cs typeface="+mn-lt"/>
-              </a:rPr>
-              <a:t>. Agora, </a:t>
-            </a:r>
-            <a:r>
-              <a:rPr lang="de-DE" err="1">
-                <a:solidFill>
-                  <a:schemeClr val="bg1"/>
-                </a:solidFill>
-                <a:ea typeface="+mn-lt"/>
-                <a:cs typeface="+mn-lt"/>
-              </a:rPr>
-              <a:t>entra</a:t>
-            </a:r>
-            <a:r>
-              <a:rPr lang="de-DE" dirty="0">
-                <a:solidFill>
-                  <a:schemeClr val="bg1"/>
-                </a:solidFill>
-                <a:ea typeface="+mn-lt"/>
-                <a:cs typeface="+mn-lt"/>
-              </a:rPr>
-              <a:t> </a:t>
-            </a:r>
-            <a:r>
-              <a:rPr lang="de-DE" err="1">
-                <a:solidFill>
-                  <a:schemeClr val="bg1"/>
-                </a:solidFill>
-                <a:ea typeface="+mn-lt"/>
-                <a:cs typeface="+mn-lt"/>
-              </a:rPr>
-              <a:t>em</a:t>
-            </a:r>
-            <a:r>
-              <a:rPr lang="de-DE" dirty="0">
-                <a:solidFill>
-                  <a:schemeClr val="bg1"/>
-                </a:solidFill>
-                <a:ea typeface="+mn-lt"/>
-                <a:cs typeface="+mn-lt"/>
-              </a:rPr>
-              <a:t> </a:t>
-            </a:r>
-            <a:r>
-              <a:rPr lang="de-DE" err="1">
-                <a:solidFill>
-                  <a:schemeClr val="bg1"/>
-                </a:solidFill>
-                <a:ea typeface="+mn-lt"/>
-                <a:cs typeface="+mn-lt"/>
-              </a:rPr>
-              <a:t>ação</a:t>
-            </a:r>
-            <a:r>
-              <a:rPr lang="de-DE" dirty="0">
-                <a:solidFill>
-                  <a:schemeClr val="bg1"/>
-                </a:solidFill>
-                <a:ea typeface="+mn-lt"/>
-                <a:cs typeface="+mn-lt"/>
-              </a:rPr>
-              <a:t> o teste de </a:t>
-            </a:r>
-            <a:r>
-              <a:rPr lang="de-DE" err="1">
-                <a:solidFill>
-                  <a:schemeClr val="bg1"/>
-                </a:solidFill>
-                <a:ea typeface="+mn-lt"/>
-                <a:cs typeface="+mn-lt"/>
-              </a:rPr>
-              <a:t>confirmação</a:t>
-            </a:r>
-            <a:r>
-              <a:rPr lang="de-DE" dirty="0">
-                <a:solidFill>
-                  <a:schemeClr val="bg1"/>
-                </a:solidFill>
-                <a:ea typeface="+mn-lt"/>
-                <a:cs typeface="+mn-lt"/>
-              </a:rPr>
-              <a:t>!</a:t>
+              <a:t>Confirma que a falha não persiste no sistema.</a:t>
             </a:r>
           </a:p>
         </p:txBody>
@@ -8839,451 +8268,61 @@
           <a:lstStyle/>
           <a:p>
             <a:r>
-              <a:rPr lang="de-DE" err="1">
+              <a:rPr lang="pt-BR" dirty="0">
                 <a:solidFill>
-                  <a:srgbClr val="FFFFFF"/>
+                  <a:schemeClr val="bg1"/>
                 </a:solidFill>
-                <a:ea typeface="+mn-lt"/>
-                <a:cs typeface="+mn-lt"/>
               </a:rPr>
-              <a:t>Cenário</a:t>
-            </a:r>
-            <a:r>
-              <a:rPr lang="de-DE">
+              <a:t>O teste de confirmação (retest) verifica se um defeito corrigido, como o bug do botão "Salvar", realmente foi resolvido.</a:t>
+            </a:r>
+            <a:br>
+              <a:rPr lang="pt-BR" dirty="0">
                 <a:solidFill>
-                  <a:srgbClr val="FFFFFF"/>
+                  <a:schemeClr val="bg1"/>
                 </a:solidFill>
-                <a:ea typeface="+mn-lt"/>
-                <a:cs typeface="+mn-lt"/>
               </a:rPr>
-              <a:t>: Um </a:t>
-            </a:r>
-            <a:r>
-              <a:rPr lang="de-DE" err="1">
+            </a:br>
+            <a:r>
+              <a:rPr lang="pt-BR" dirty="0">
                 <a:solidFill>
-                  <a:srgbClr val="FFFFFF"/>
+                  <a:schemeClr val="bg1"/>
                 </a:solidFill>
-                <a:ea typeface="+mn-lt"/>
-                <a:cs typeface="+mn-lt"/>
               </a:rPr>
-              <a:t>e-commerce</a:t>
-            </a:r>
-            <a:r>
-              <a:rPr lang="de-DE">
+              <a:t>Garante que os dados agora são armazenados corretamente.</a:t>
+            </a:r>
+            <a:br>
+              <a:rPr lang="pt-BR" dirty="0">
                 <a:solidFill>
-                  <a:srgbClr val="FFFFFF"/>
+                  <a:schemeClr val="bg1"/>
                 </a:solidFill>
-                <a:ea typeface="+mn-lt"/>
-                <a:cs typeface="+mn-lt"/>
               </a:rPr>
-              <a:t> possui um campo onde o usuário cadastra seu endereço. Entretanto, ao inserir um número muito grande, o campo simplesmente não aceita a entrada. Esse bug é reportado à equipe de desenvolvimento.</a:t>
-            </a:r>
-            <a:endParaRPr lang="pt-BR"/>
-          </a:p>
-          <a:p>
-            <a:endParaRPr lang="de-DE"/>
-          </a:p>
-          <a:p>
-            <a:r>
-              <a:rPr lang="de-DE" err="1">
+            </a:br>
+            <a:r>
+              <a:rPr lang="pt-BR" dirty="0">
                 <a:solidFill>
-                  <a:srgbClr val="FFFFFF"/>
+                  <a:schemeClr val="bg1"/>
                 </a:solidFill>
-                <a:ea typeface="+mn-lt"/>
-                <a:cs typeface="+mn-lt"/>
               </a:rPr>
-              <a:t>Correção</a:t>
-            </a:r>
-            <a:r>
-              <a:rPr lang="de-DE">
+              <a:t>É realizado após a correção do código.</a:t>
+            </a:r>
+            <a:br>
+              <a:rPr lang="pt-BR" dirty="0">
                 <a:solidFill>
-                  <a:srgbClr val="FFFFFF"/>
+                  <a:schemeClr val="bg1"/>
                 </a:solidFill>
-                <a:ea typeface="+mn-lt"/>
-                <a:cs typeface="+mn-lt"/>
               </a:rPr>
-              <a:t> </a:t>
-            </a:r>
-            <a:r>
-              <a:rPr lang="de-DE" err="1">
+            </a:br>
+            <a:r>
+              <a:rPr lang="pt-BR" dirty="0">
                 <a:solidFill>
-                  <a:srgbClr val="FFFFFF"/>
+                  <a:schemeClr val="bg1"/>
                 </a:solidFill>
-                <a:ea typeface="+mn-lt"/>
-                <a:cs typeface="+mn-lt"/>
               </a:rPr>
-              <a:t>aplicada</a:t>
-            </a:r>
-            <a:r>
-              <a:rPr lang="de-DE">
-                <a:solidFill>
-                  <a:srgbClr val="FFFFFF"/>
-                </a:solidFill>
-                <a:ea typeface="+mn-lt"/>
-                <a:cs typeface="+mn-lt"/>
-              </a:rPr>
-              <a:t>: O desenvolvedor ajusta o limite de caracteres permitidos.</a:t>
-            </a:r>
-            <a:endParaRPr lang="de-DE"/>
-          </a:p>
-          <a:p>
-            <a:endParaRPr lang="de-DE"/>
-          </a:p>
-          <a:p>
-            <a:r>
-              <a:rPr lang="de-DE" dirty="0">
-                <a:solidFill>
-                  <a:srgbClr val="FFFFFF"/>
-                </a:solidFill>
-                <a:ea typeface="+mn-lt"/>
-                <a:cs typeface="+mn-lt"/>
-              </a:rPr>
-              <a:t>Testes de </a:t>
-            </a:r>
-            <a:r>
-              <a:rPr lang="de-DE" dirty="0" err="1">
-                <a:solidFill>
-                  <a:srgbClr val="FFFFFF"/>
-                </a:solidFill>
-                <a:ea typeface="+mn-lt"/>
-                <a:cs typeface="+mn-lt"/>
-              </a:rPr>
-              <a:t>Confirmação</a:t>
-            </a:r>
-            <a:r>
-              <a:rPr lang="de-DE" dirty="0">
-                <a:solidFill>
-                  <a:srgbClr val="FFFFFF"/>
-                </a:solidFill>
-                <a:ea typeface="+mn-lt"/>
-                <a:cs typeface="+mn-lt"/>
-              </a:rPr>
-              <a:t>: O </a:t>
-            </a:r>
-            <a:r>
-              <a:rPr lang="de-DE" dirty="0" err="1">
-                <a:solidFill>
-                  <a:srgbClr val="FFFFFF"/>
-                </a:solidFill>
-                <a:ea typeface="+mn-lt"/>
-                <a:cs typeface="+mn-lt"/>
-              </a:rPr>
-              <a:t>testador</a:t>
-            </a:r>
-            <a:r>
-              <a:rPr lang="de-DE" dirty="0">
-                <a:solidFill>
-                  <a:srgbClr val="FFFFFF"/>
-                </a:solidFill>
-                <a:ea typeface="+mn-lt"/>
-                <a:cs typeface="+mn-lt"/>
-              </a:rPr>
-              <a:t> </a:t>
-            </a:r>
-            <a:r>
-              <a:rPr lang="de-DE" dirty="0" err="1">
-                <a:solidFill>
-                  <a:srgbClr val="FFFFFF"/>
-                </a:solidFill>
-                <a:ea typeface="+mn-lt"/>
-                <a:cs typeface="+mn-lt"/>
-              </a:rPr>
-              <a:t>verifica</a:t>
-            </a:r>
-            <a:r>
-              <a:rPr lang="de-DE" dirty="0">
-                <a:solidFill>
-                  <a:srgbClr val="FFFFFF"/>
-                </a:solidFill>
-                <a:ea typeface="+mn-lt"/>
-                <a:cs typeface="+mn-lt"/>
-              </a:rPr>
-              <a:t> </a:t>
-            </a:r>
-            <a:r>
-              <a:rPr lang="de-DE" dirty="0" err="1">
-                <a:solidFill>
-                  <a:srgbClr val="FFFFFF"/>
-                </a:solidFill>
-                <a:ea typeface="+mn-lt"/>
-                <a:cs typeface="+mn-lt"/>
-              </a:rPr>
-              <a:t>novamente</a:t>
-            </a:r>
-            <a:r>
-              <a:rPr lang="de-DE" dirty="0">
-                <a:solidFill>
-                  <a:srgbClr val="FFFFFF"/>
-                </a:solidFill>
-                <a:ea typeface="+mn-lt"/>
-                <a:cs typeface="+mn-lt"/>
-              </a:rPr>
-              <a:t> </a:t>
-            </a:r>
-            <a:r>
-              <a:rPr lang="de-DE" dirty="0" err="1">
-                <a:solidFill>
-                  <a:srgbClr val="FFFFFF"/>
-                </a:solidFill>
-                <a:ea typeface="+mn-lt"/>
-                <a:cs typeface="+mn-lt"/>
-              </a:rPr>
-              <a:t>com</a:t>
-            </a:r>
-            <a:r>
-              <a:rPr lang="de-DE" dirty="0">
-                <a:solidFill>
-                  <a:srgbClr val="FFFFFF"/>
-                </a:solidFill>
-                <a:ea typeface="+mn-lt"/>
-                <a:cs typeface="+mn-lt"/>
-              </a:rPr>
-              <a:t> o </a:t>
-            </a:r>
-            <a:r>
-              <a:rPr lang="de-DE" dirty="0" err="1">
-                <a:solidFill>
-                  <a:srgbClr val="FFFFFF"/>
-                </a:solidFill>
-                <a:ea typeface="+mn-lt"/>
-                <a:cs typeface="+mn-lt"/>
-              </a:rPr>
-              <a:t>mesmo</a:t>
-            </a:r>
-            <a:r>
-              <a:rPr lang="de-DE" dirty="0">
-                <a:solidFill>
-                  <a:srgbClr val="FFFFFF"/>
-                </a:solidFill>
-                <a:ea typeface="+mn-lt"/>
-                <a:cs typeface="+mn-lt"/>
-              </a:rPr>
-              <a:t> </a:t>
-            </a:r>
-            <a:r>
-              <a:rPr lang="de-DE" dirty="0" err="1">
-                <a:solidFill>
-                  <a:srgbClr val="FFFFFF"/>
-                </a:solidFill>
-                <a:ea typeface="+mn-lt"/>
-                <a:cs typeface="+mn-lt"/>
-              </a:rPr>
-              <a:t>input</a:t>
-            </a:r>
-            <a:r>
-              <a:rPr lang="de-DE" dirty="0">
-                <a:solidFill>
-                  <a:srgbClr val="FFFFFF"/>
-                </a:solidFill>
-                <a:ea typeface="+mn-lt"/>
-                <a:cs typeface="+mn-lt"/>
-              </a:rPr>
-              <a:t> </a:t>
-            </a:r>
-            <a:r>
-              <a:rPr lang="de-DE" dirty="0" err="1">
-                <a:solidFill>
-                  <a:srgbClr val="FFFFFF"/>
-                </a:solidFill>
-                <a:ea typeface="+mn-lt"/>
-                <a:cs typeface="+mn-lt"/>
-              </a:rPr>
-              <a:t>problemático</a:t>
-            </a:r>
-            <a:r>
-              <a:rPr lang="de-DE" dirty="0">
-                <a:solidFill>
-                  <a:srgbClr val="FFFFFF"/>
-                </a:solidFill>
-                <a:ea typeface="+mn-lt"/>
-                <a:cs typeface="+mn-lt"/>
-              </a:rPr>
-              <a:t> </a:t>
-            </a:r>
-            <a:r>
-              <a:rPr lang="de-DE" dirty="0" err="1">
-                <a:solidFill>
-                  <a:srgbClr val="FFFFFF"/>
-                </a:solidFill>
-                <a:ea typeface="+mn-lt"/>
-                <a:cs typeface="+mn-lt"/>
-              </a:rPr>
-              <a:t>para</a:t>
-            </a:r>
-            <a:r>
-              <a:rPr lang="de-DE" dirty="0">
-                <a:solidFill>
-                  <a:srgbClr val="FFFFFF"/>
-                </a:solidFill>
-                <a:ea typeface="+mn-lt"/>
-                <a:cs typeface="+mn-lt"/>
-              </a:rPr>
-              <a:t> </a:t>
-            </a:r>
-            <a:r>
-              <a:rPr lang="de-DE" dirty="0" err="1">
-                <a:solidFill>
-                  <a:srgbClr val="FFFFFF"/>
-                </a:solidFill>
-                <a:ea typeface="+mn-lt"/>
-                <a:cs typeface="+mn-lt"/>
-              </a:rPr>
-              <a:t>assegurar</a:t>
-            </a:r>
-            <a:r>
-              <a:rPr lang="de-DE" dirty="0">
-                <a:solidFill>
-                  <a:srgbClr val="FFFFFF"/>
-                </a:solidFill>
-                <a:ea typeface="+mn-lt"/>
-                <a:cs typeface="+mn-lt"/>
-              </a:rPr>
-              <a:t> </a:t>
-            </a:r>
-            <a:r>
-              <a:rPr lang="de-DE" dirty="0" err="1">
-                <a:solidFill>
-                  <a:srgbClr val="FFFFFF"/>
-                </a:solidFill>
-                <a:ea typeface="+mn-lt"/>
-                <a:cs typeface="+mn-lt"/>
-              </a:rPr>
-              <a:t>que</a:t>
-            </a:r>
-            <a:r>
-              <a:rPr lang="de-DE" dirty="0">
-                <a:solidFill>
-                  <a:srgbClr val="FFFFFF"/>
-                </a:solidFill>
-                <a:ea typeface="+mn-lt"/>
-                <a:cs typeface="+mn-lt"/>
-              </a:rPr>
-              <a:t> </a:t>
-            </a:r>
-            <a:r>
-              <a:rPr lang="de-DE" dirty="0" err="1">
-                <a:solidFill>
-                  <a:srgbClr val="FFFFFF"/>
-                </a:solidFill>
-                <a:ea typeface="+mn-lt"/>
-                <a:cs typeface="+mn-lt"/>
-              </a:rPr>
-              <a:t>agora</a:t>
-            </a:r>
-            <a:r>
-              <a:rPr lang="de-DE" dirty="0">
-                <a:solidFill>
-                  <a:srgbClr val="FFFFFF"/>
-                </a:solidFill>
-                <a:ea typeface="+mn-lt"/>
-                <a:cs typeface="+mn-lt"/>
-              </a:rPr>
-              <a:t> o </a:t>
-            </a:r>
-            <a:r>
-              <a:rPr lang="de-DE" dirty="0" err="1">
-                <a:solidFill>
-                  <a:srgbClr val="FFFFFF"/>
-                </a:solidFill>
-                <a:ea typeface="+mn-lt"/>
-                <a:cs typeface="+mn-lt"/>
-              </a:rPr>
-              <a:t>sistema</a:t>
-            </a:r>
-            <a:r>
-              <a:rPr lang="de-DE" dirty="0">
-                <a:solidFill>
-                  <a:srgbClr val="FFFFFF"/>
-                </a:solidFill>
-                <a:ea typeface="+mn-lt"/>
-                <a:cs typeface="+mn-lt"/>
-              </a:rPr>
-              <a:t> </a:t>
-            </a:r>
-            <a:r>
-              <a:rPr lang="de-DE" dirty="0" err="1">
-                <a:solidFill>
-                  <a:srgbClr val="FFFFFF"/>
-                </a:solidFill>
-                <a:ea typeface="+mn-lt"/>
-                <a:cs typeface="+mn-lt"/>
-              </a:rPr>
-              <a:t>aceita</a:t>
-            </a:r>
-            <a:r>
-              <a:rPr lang="de-DE" dirty="0">
-                <a:solidFill>
-                  <a:srgbClr val="FFFFFF"/>
-                </a:solidFill>
-                <a:ea typeface="+mn-lt"/>
-                <a:cs typeface="+mn-lt"/>
-              </a:rPr>
-              <a:t> e salva </a:t>
-            </a:r>
-            <a:r>
-              <a:rPr lang="de-DE" dirty="0" err="1">
-                <a:solidFill>
-                  <a:srgbClr val="FFFFFF"/>
-                </a:solidFill>
-                <a:ea typeface="+mn-lt"/>
-                <a:cs typeface="+mn-lt"/>
-              </a:rPr>
-              <a:t>essas</a:t>
-            </a:r>
-            <a:r>
-              <a:rPr lang="de-DE" dirty="0">
-                <a:solidFill>
-                  <a:srgbClr val="FFFFFF"/>
-                </a:solidFill>
-                <a:ea typeface="+mn-lt"/>
-                <a:cs typeface="+mn-lt"/>
-              </a:rPr>
-              <a:t> </a:t>
-            </a:r>
-            <a:r>
-              <a:rPr lang="de-DE" dirty="0" err="1">
-                <a:solidFill>
-                  <a:srgbClr val="FFFFFF"/>
-                </a:solidFill>
-                <a:ea typeface="+mn-lt"/>
-                <a:cs typeface="+mn-lt"/>
-              </a:rPr>
-              <a:t>informações</a:t>
-            </a:r>
-            <a:r>
-              <a:rPr lang="de-DE" dirty="0">
-                <a:solidFill>
-                  <a:srgbClr val="FFFFFF"/>
-                </a:solidFill>
-                <a:ea typeface="+mn-lt"/>
-                <a:cs typeface="+mn-lt"/>
-              </a:rPr>
-              <a:t> </a:t>
-            </a:r>
-            <a:r>
-              <a:rPr lang="de-DE" dirty="0" err="1">
-                <a:solidFill>
-                  <a:srgbClr val="FFFFFF"/>
-                </a:solidFill>
-                <a:ea typeface="+mn-lt"/>
-                <a:cs typeface="+mn-lt"/>
-              </a:rPr>
-              <a:t>corretamente</a:t>
-            </a:r>
-            <a:r>
-              <a:rPr lang="de-DE" dirty="0">
-                <a:solidFill>
-                  <a:srgbClr val="FFFFFF"/>
-                </a:solidFill>
-                <a:ea typeface="+mn-lt"/>
-                <a:cs typeface="+mn-lt"/>
-              </a:rPr>
-              <a:t>.</a:t>
-            </a:r>
-            <a:endParaRPr lang="de-DE" dirty="0"/>
-          </a:p>
-          <a:p>
-            <a:endParaRPr lang="de-DE" dirty="0">
+              <a:t>Confirma que o problema não persiste no sistema.</a:t>
+            </a:r>
+          </a:p>
+          <a:p>
+            <a:endParaRPr lang="de-DE" u="sng" dirty="0">
               <a:solidFill>
                 <a:srgbClr val="FFFFFF"/>
               </a:solidFill>
